--- a/ppt 16-9/0813.走出软弱.pptx
+++ b/ppt 16-9/0813.走出软弱.pptx
@@ -5,7 +5,7 @@
     <p:sldMasterId id="2147483648" r:id="rId1"/>
   </p:sldMasterIdLst>
   <p:sldIdLst>
-    <p:sldId id="2087" r:id="rId2"/>
+    <p:sldId id="2089" r:id="rId2"/>
   </p:sldIdLst>
   <p:sldSz cx="12192000" cy="6858000"/>
   <p:notesSz cx="6858000" cy="9144000"/>
@@ -129,7 +129,7 @@
           <p:cNvPr id="2" name="标题 1">
             <a:extLst>
               <a:ext uri="{FF2B5EF4-FFF2-40B4-BE49-F238E27FC236}">
-                <a16:creationId xmlns:a16="http://schemas.microsoft.com/office/drawing/2014/main" id="{B5B77A8B-A0B2-F9FA-947B-95800460BF02}"/>
+                <a16:creationId xmlns:a16="http://schemas.microsoft.com/office/drawing/2014/main" id="{D728A859-50DB-43C1-3131-1B9CC7CEB05E}"/>
               </a:ext>
             </a:extLst>
           </p:cNvPr>
@@ -166,7 +166,7 @@
           <p:cNvPr id="3" name="副标题 2">
             <a:extLst>
               <a:ext uri="{FF2B5EF4-FFF2-40B4-BE49-F238E27FC236}">
-                <a16:creationId xmlns:a16="http://schemas.microsoft.com/office/drawing/2014/main" id="{DAC2CC08-1F56-17AF-8194-52CA9F76872C}"/>
+                <a16:creationId xmlns:a16="http://schemas.microsoft.com/office/drawing/2014/main" id="{301C6667-CFA5-112D-4457-0C75C74FCF63}"/>
               </a:ext>
             </a:extLst>
           </p:cNvPr>
@@ -236,7 +236,7 @@
           <p:cNvPr id="4" name="日期占位符 3">
             <a:extLst>
               <a:ext uri="{FF2B5EF4-FFF2-40B4-BE49-F238E27FC236}">
-                <a16:creationId xmlns:a16="http://schemas.microsoft.com/office/drawing/2014/main" id="{082113F0-2D8D-A241-4EA7-1EC2245ED2CE}"/>
+                <a16:creationId xmlns:a16="http://schemas.microsoft.com/office/drawing/2014/main" id="{C9BBFB45-B391-E45E-E05D-2DC22824AB6C}"/>
               </a:ext>
             </a:extLst>
           </p:cNvPr>
@@ -252,7 +252,7 @@
           <a:bodyPr/>
           <a:lstStyle/>
           <a:p>
-            <a:fld id="{9B293E4D-E2C0-4135-830E-62F03A669CD1}" type="datetimeFigureOut">
+            <a:fld id="{AF6E06D6-F3DA-4464-94A3-1C8E2E996511}" type="datetimeFigureOut">
               <a:rPr lang="zh-CN" altLang="en-US" smtClean="0"/>
               <a:t>2024/3/10</a:t>
             </a:fld>
@@ -265,7 +265,7 @@
           <p:cNvPr id="5" name="页脚占位符 4">
             <a:extLst>
               <a:ext uri="{FF2B5EF4-FFF2-40B4-BE49-F238E27FC236}">
-                <a16:creationId xmlns:a16="http://schemas.microsoft.com/office/drawing/2014/main" id="{7E836BF9-76BD-FA6D-7B80-676CDDF0DC5E}"/>
+                <a16:creationId xmlns:a16="http://schemas.microsoft.com/office/drawing/2014/main" id="{A9290ECB-589F-66C7-A577-68FABB23BFC6}"/>
               </a:ext>
             </a:extLst>
           </p:cNvPr>
@@ -290,7 +290,7 @@
           <p:cNvPr id="6" name="灯片编号占位符 5">
             <a:extLst>
               <a:ext uri="{FF2B5EF4-FFF2-40B4-BE49-F238E27FC236}">
-                <a16:creationId xmlns:a16="http://schemas.microsoft.com/office/drawing/2014/main" id="{8C994A5D-5BE5-DE39-648D-B4BBED9447B2}"/>
+                <a16:creationId xmlns:a16="http://schemas.microsoft.com/office/drawing/2014/main" id="{FA0925AF-CE30-B8EE-E562-21A35DB21C96}"/>
               </a:ext>
             </a:extLst>
           </p:cNvPr>
@@ -306,7 +306,7 @@
           <a:bodyPr/>
           <a:lstStyle/>
           <a:p>
-            <a:fld id="{E16C1BF2-CE29-480F-8C41-1D4D2C486CA0}" type="slidenum">
+            <a:fld id="{BB219FB6-7A6A-4FAA-9F64-4EA96173961A}" type="slidenum">
               <a:rPr lang="zh-CN" altLang="en-US" smtClean="0"/>
               <a:t>‹#›</a:t>
             </a:fld>
@@ -317,7 +317,7 @@
     </p:spTree>
     <p:extLst>
       <p:ext uri="{BB962C8B-B14F-4D97-AF65-F5344CB8AC3E}">
-        <p14:creationId xmlns:p14="http://schemas.microsoft.com/office/powerpoint/2010/main" val="1231367446"/>
+        <p14:creationId xmlns:p14="http://schemas.microsoft.com/office/powerpoint/2010/main" val="346064907"/>
       </p:ext>
     </p:extLst>
   </p:cSld>
@@ -349,7 +349,7 @@
           <p:cNvPr id="2" name="标题 1">
             <a:extLst>
               <a:ext uri="{FF2B5EF4-FFF2-40B4-BE49-F238E27FC236}">
-                <a16:creationId xmlns:a16="http://schemas.microsoft.com/office/drawing/2014/main" id="{A8E49049-3495-589A-8914-AC4D2697825F}"/>
+                <a16:creationId xmlns:a16="http://schemas.microsoft.com/office/drawing/2014/main" id="{804FC47D-05BB-18F0-E6C5-446EA4359893}"/>
               </a:ext>
             </a:extLst>
           </p:cNvPr>
@@ -377,7 +377,7 @@
           <p:cNvPr id="3" name="竖排文字占位符 2">
             <a:extLst>
               <a:ext uri="{FF2B5EF4-FFF2-40B4-BE49-F238E27FC236}">
-                <a16:creationId xmlns:a16="http://schemas.microsoft.com/office/drawing/2014/main" id="{5A966880-2B41-97C3-0A52-687772765485}"/>
+                <a16:creationId xmlns:a16="http://schemas.microsoft.com/office/drawing/2014/main" id="{7EE7A6DA-2B75-2941-A122-A0DD571EC8E7}"/>
               </a:ext>
             </a:extLst>
           </p:cNvPr>
@@ -434,7 +434,7 @@
           <p:cNvPr id="4" name="日期占位符 3">
             <a:extLst>
               <a:ext uri="{FF2B5EF4-FFF2-40B4-BE49-F238E27FC236}">
-                <a16:creationId xmlns:a16="http://schemas.microsoft.com/office/drawing/2014/main" id="{1D846A74-16E8-CED7-C353-6BF81FFF4771}"/>
+                <a16:creationId xmlns:a16="http://schemas.microsoft.com/office/drawing/2014/main" id="{8D678F70-8220-47DB-E5C9-CAA1362B19ED}"/>
               </a:ext>
             </a:extLst>
           </p:cNvPr>
@@ -450,7 +450,7 @@
           <a:bodyPr/>
           <a:lstStyle/>
           <a:p>
-            <a:fld id="{9B293E4D-E2C0-4135-830E-62F03A669CD1}" type="datetimeFigureOut">
+            <a:fld id="{AF6E06D6-F3DA-4464-94A3-1C8E2E996511}" type="datetimeFigureOut">
               <a:rPr lang="zh-CN" altLang="en-US" smtClean="0"/>
               <a:t>2024/3/10</a:t>
             </a:fld>
@@ -463,7 +463,7 @@
           <p:cNvPr id="5" name="页脚占位符 4">
             <a:extLst>
               <a:ext uri="{FF2B5EF4-FFF2-40B4-BE49-F238E27FC236}">
-                <a16:creationId xmlns:a16="http://schemas.microsoft.com/office/drawing/2014/main" id="{43E6D842-C85A-F063-D45A-B65F18B10111}"/>
+                <a16:creationId xmlns:a16="http://schemas.microsoft.com/office/drawing/2014/main" id="{960BC196-EEB4-19FE-1CD5-E8B1D71E594C}"/>
               </a:ext>
             </a:extLst>
           </p:cNvPr>
@@ -488,7 +488,7 @@
           <p:cNvPr id="6" name="灯片编号占位符 5">
             <a:extLst>
               <a:ext uri="{FF2B5EF4-FFF2-40B4-BE49-F238E27FC236}">
-                <a16:creationId xmlns:a16="http://schemas.microsoft.com/office/drawing/2014/main" id="{53F5BC6B-9B25-02CE-FC39-8923CCC61803}"/>
+                <a16:creationId xmlns:a16="http://schemas.microsoft.com/office/drawing/2014/main" id="{D1B2FE9D-0FEE-C76D-AF43-D9869797D6EF}"/>
               </a:ext>
             </a:extLst>
           </p:cNvPr>
@@ -504,7 +504,7 @@
           <a:bodyPr/>
           <a:lstStyle/>
           <a:p>
-            <a:fld id="{E16C1BF2-CE29-480F-8C41-1D4D2C486CA0}" type="slidenum">
+            <a:fld id="{BB219FB6-7A6A-4FAA-9F64-4EA96173961A}" type="slidenum">
               <a:rPr lang="zh-CN" altLang="en-US" smtClean="0"/>
               <a:t>‹#›</a:t>
             </a:fld>
@@ -515,7 +515,7 @@
     </p:spTree>
     <p:extLst>
       <p:ext uri="{BB962C8B-B14F-4D97-AF65-F5344CB8AC3E}">
-        <p14:creationId xmlns:p14="http://schemas.microsoft.com/office/powerpoint/2010/main" val="42632200"/>
+        <p14:creationId xmlns:p14="http://schemas.microsoft.com/office/powerpoint/2010/main" val="1241770451"/>
       </p:ext>
     </p:extLst>
   </p:cSld>
@@ -547,7 +547,7 @@
           <p:cNvPr id="2" name="竖排标题 1">
             <a:extLst>
               <a:ext uri="{FF2B5EF4-FFF2-40B4-BE49-F238E27FC236}">
-                <a16:creationId xmlns:a16="http://schemas.microsoft.com/office/drawing/2014/main" id="{53B0F522-E96C-A28E-6C83-BD59F1C65D72}"/>
+                <a16:creationId xmlns:a16="http://schemas.microsoft.com/office/drawing/2014/main" id="{CEFB4CBB-D655-AE7F-DEDC-F477C806583E}"/>
               </a:ext>
             </a:extLst>
           </p:cNvPr>
@@ -580,7 +580,7 @@
           <p:cNvPr id="3" name="竖排文字占位符 2">
             <a:extLst>
               <a:ext uri="{FF2B5EF4-FFF2-40B4-BE49-F238E27FC236}">
-                <a16:creationId xmlns:a16="http://schemas.microsoft.com/office/drawing/2014/main" id="{7165C585-D23E-F980-26CB-5B81BD4C27A9}"/>
+                <a16:creationId xmlns:a16="http://schemas.microsoft.com/office/drawing/2014/main" id="{1EDB9BAD-DD96-C46B-6BF7-1A7071AB4E14}"/>
               </a:ext>
             </a:extLst>
           </p:cNvPr>
@@ -642,7 +642,7 @@
           <p:cNvPr id="4" name="日期占位符 3">
             <a:extLst>
               <a:ext uri="{FF2B5EF4-FFF2-40B4-BE49-F238E27FC236}">
-                <a16:creationId xmlns:a16="http://schemas.microsoft.com/office/drawing/2014/main" id="{126B18F6-7124-F3F8-78B4-FF8A0442422B}"/>
+                <a16:creationId xmlns:a16="http://schemas.microsoft.com/office/drawing/2014/main" id="{CFCB6D50-10FD-2C17-3C42-DA554E94EE74}"/>
               </a:ext>
             </a:extLst>
           </p:cNvPr>
@@ -658,7 +658,7 @@
           <a:bodyPr/>
           <a:lstStyle/>
           <a:p>
-            <a:fld id="{9B293E4D-E2C0-4135-830E-62F03A669CD1}" type="datetimeFigureOut">
+            <a:fld id="{AF6E06D6-F3DA-4464-94A3-1C8E2E996511}" type="datetimeFigureOut">
               <a:rPr lang="zh-CN" altLang="en-US" smtClean="0"/>
               <a:t>2024/3/10</a:t>
             </a:fld>
@@ -671,7 +671,7 @@
           <p:cNvPr id="5" name="页脚占位符 4">
             <a:extLst>
               <a:ext uri="{FF2B5EF4-FFF2-40B4-BE49-F238E27FC236}">
-                <a16:creationId xmlns:a16="http://schemas.microsoft.com/office/drawing/2014/main" id="{9CEF7086-6F97-03C1-70C1-95C093DC8748}"/>
+                <a16:creationId xmlns:a16="http://schemas.microsoft.com/office/drawing/2014/main" id="{1893C2B4-27FB-F2F6-D781-47B575F93837}"/>
               </a:ext>
             </a:extLst>
           </p:cNvPr>
@@ -696,7 +696,7 @@
           <p:cNvPr id="6" name="灯片编号占位符 5">
             <a:extLst>
               <a:ext uri="{FF2B5EF4-FFF2-40B4-BE49-F238E27FC236}">
-                <a16:creationId xmlns:a16="http://schemas.microsoft.com/office/drawing/2014/main" id="{D545DB42-FE07-7811-E1E8-D63FDD8C4157}"/>
+                <a16:creationId xmlns:a16="http://schemas.microsoft.com/office/drawing/2014/main" id="{30C3CA3E-7DDF-F426-362B-B2FAE1E9CB59}"/>
               </a:ext>
             </a:extLst>
           </p:cNvPr>
@@ -712,7 +712,7 @@
           <a:bodyPr/>
           <a:lstStyle/>
           <a:p>
-            <a:fld id="{E16C1BF2-CE29-480F-8C41-1D4D2C486CA0}" type="slidenum">
+            <a:fld id="{BB219FB6-7A6A-4FAA-9F64-4EA96173961A}" type="slidenum">
               <a:rPr lang="zh-CN" altLang="en-US" smtClean="0"/>
               <a:t>‹#›</a:t>
             </a:fld>
@@ -723,7 +723,7 @@
     </p:spTree>
     <p:extLst>
       <p:ext uri="{BB962C8B-B14F-4D97-AF65-F5344CB8AC3E}">
-        <p14:creationId xmlns:p14="http://schemas.microsoft.com/office/powerpoint/2010/main" val="3029879957"/>
+        <p14:creationId xmlns:p14="http://schemas.microsoft.com/office/powerpoint/2010/main" val="870822737"/>
       </p:ext>
     </p:extLst>
   </p:cSld>
@@ -755,7 +755,7 @@
           <p:cNvPr id="2" name="标题 1">
             <a:extLst>
               <a:ext uri="{FF2B5EF4-FFF2-40B4-BE49-F238E27FC236}">
-                <a16:creationId xmlns:a16="http://schemas.microsoft.com/office/drawing/2014/main" id="{668E169A-DD76-6A38-F19D-C7285ECA2A99}"/>
+                <a16:creationId xmlns:a16="http://schemas.microsoft.com/office/drawing/2014/main" id="{EF6FBAEF-19BF-D540-7341-F3B3F1C008F0}"/>
               </a:ext>
             </a:extLst>
           </p:cNvPr>
@@ -783,7 +783,7 @@
           <p:cNvPr id="3" name="内容占位符 2">
             <a:extLst>
               <a:ext uri="{FF2B5EF4-FFF2-40B4-BE49-F238E27FC236}">
-                <a16:creationId xmlns:a16="http://schemas.microsoft.com/office/drawing/2014/main" id="{47B3D167-E03D-7DAF-F97D-297081A38CD6}"/>
+                <a16:creationId xmlns:a16="http://schemas.microsoft.com/office/drawing/2014/main" id="{8D9F6137-6426-82E0-C497-A321A420B2AE}"/>
               </a:ext>
             </a:extLst>
           </p:cNvPr>
@@ -840,7 +840,7 @@
           <p:cNvPr id="4" name="日期占位符 3">
             <a:extLst>
               <a:ext uri="{FF2B5EF4-FFF2-40B4-BE49-F238E27FC236}">
-                <a16:creationId xmlns:a16="http://schemas.microsoft.com/office/drawing/2014/main" id="{5E1C203A-DD5A-FF2C-328B-B415BF8CBC34}"/>
+                <a16:creationId xmlns:a16="http://schemas.microsoft.com/office/drawing/2014/main" id="{8E802815-7E13-2218-7E5C-0038E42D5585}"/>
               </a:ext>
             </a:extLst>
           </p:cNvPr>
@@ -856,7 +856,7 @@
           <a:bodyPr/>
           <a:lstStyle/>
           <a:p>
-            <a:fld id="{9B293E4D-E2C0-4135-830E-62F03A669CD1}" type="datetimeFigureOut">
+            <a:fld id="{AF6E06D6-F3DA-4464-94A3-1C8E2E996511}" type="datetimeFigureOut">
               <a:rPr lang="zh-CN" altLang="en-US" smtClean="0"/>
               <a:t>2024/3/10</a:t>
             </a:fld>
@@ -869,7 +869,7 @@
           <p:cNvPr id="5" name="页脚占位符 4">
             <a:extLst>
               <a:ext uri="{FF2B5EF4-FFF2-40B4-BE49-F238E27FC236}">
-                <a16:creationId xmlns:a16="http://schemas.microsoft.com/office/drawing/2014/main" id="{340217D3-E088-D47F-BCD7-D2ED36554421}"/>
+                <a16:creationId xmlns:a16="http://schemas.microsoft.com/office/drawing/2014/main" id="{095DD407-3C52-47D5-28D4-97144B8109A8}"/>
               </a:ext>
             </a:extLst>
           </p:cNvPr>
@@ -894,7 +894,7 @@
           <p:cNvPr id="6" name="灯片编号占位符 5">
             <a:extLst>
               <a:ext uri="{FF2B5EF4-FFF2-40B4-BE49-F238E27FC236}">
-                <a16:creationId xmlns:a16="http://schemas.microsoft.com/office/drawing/2014/main" id="{DA51D428-D522-A706-4345-9DE83DBEABD6}"/>
+                <a16:creationId xmlns:a16="http://schemas.microsoft.com/office/drawing/2014/main" id="{CCE9063B-191B-5E53-7E78-A977A36D31BA}"/>
               </a:ext>
             </a:extLst>
           </p:cNvPr>
@@ -910,7 +910,7 @@
           <a:bodyPr/>
           <a:lstStyle/>
           <a:p>
-            <a:fld id="{E16C1BF2-CE29-480F-8C41-1D4D2C486CA0}" type="slidenum">
+            <a:fld id="{BB219FB6-7A6A-4FAA-9F64-4EA96173961A}" type="slidenum">
               <a:rPr lang="zh-CN" altLang="en-US" smtClean="0"/>
               <a:t>‹#›</a:t>
             </a:fld>
@@ -921,7 +921,7 @@
     </p:spTree>
     <p:extLst>
       <p:ext uri="{BB962C8B-B14F-4D97-AF65-F5344CB8AC3E}">
-        <p14:creationId xmlns:p14="http://schemas.microsoft.com/office/powerpoint/2010/main" val="3986332174"/>
+        <p14:creationId xmlns:p14="http://schemas.microsoft.com/office/powerpoint/2010/main" val="1039977438"/>
       </p:ext>
     </p:extLst>
   </p:cSld>
@@ -953,7 +953,7 @@
           <p:cNvPr id="2" name="标题 1">
             <a:extLst>
               <a:ext uri="{FF2B5EF4-FFF2-40B4-BE49-F238E27FC236}">
-                <a16:creationId xmlns:a16="http://schemas.microsoft.com/office/drawing/2014/main" id="{1225510D-5B08-AB68-6D1F-D9776F7DAE67}"/>
+                <a16:creationId xmlns:a16="http://schemas.microsoft.com/office/drawing/2014/main" id="{4BFCB410-9059-1ACC-1C81-C7A10110DE58}"/>
               </a:ext>
             </a:extLst>
           </p:cNvPr>
@@ -990,7 +990,7 @@
           <p:cNvPr id="3" name="文本占位符 2">
             <a:extLst>
               <a:ext uri="{FF2B5EF4-FFF2-40B4-BE49-F238E27FC236}">
-                <a16:creationId xmlns:a16="http://schemas.microsoft.com/office/drawing/2014/main" id="{CF92DE39-3C0D-CB49-5E5A-91B974357924}"/>
+                <a16:creationId xmlns:a16="http://schemas.microsoft.com/office/drawing/2014/main" id="{FE593954-3972-68EB-577D-EF42672E79CF}"/>
               </a:ext>
             </a:extLst>
           </p:cNvPr>
@@ -1115,7 +1115,7 @@
           <p:cNvPr id="4" name="日期占位符 3">
             <a:extLst>
               <a:ext uri="{FF2B5EF4-FFF2-40B4-BE49-F238E27FC236}">
-                <a16:creationId xmlns:a16="http://schemas.microsoft.com/office/drawing/2014/main" id="{FC397340-5DA1-4382-A096-3B59FA5CC116}"/>
+                <a16:creationId xmlns:a16="http://schemas.microsoft.com/office/drawing/2014/main" id="{78BCDF8C-8B74-3FF6-3C59-4AA4A6F46027}"/>
               </a:ext>
             </a:extLst>
           </p:cNvPr>
@@ -1131,7 +1131,7 @@
           <a:bodyPr/>
           <a:lstStyle/>
           <a:p>
-            <a:fld id="{9B293E4D-E2C0-4135-830E-62F03A669CD1}" type="datetimeFigureOut">
+            <a:fld id="{AF6E06D6-F3DA-4464-94A3-1C8E2E996511}" type="datetimeFigureOut">
               <a:rPr lang="zh-CN" altLang="en-US" smtClean="0"/>
               <a:t>2024/3/10</a:t>
             </a:fld>
@@ -1144,7 +1144,7 @@
           <p:cNvPr id="5" name="页脚占位符 4">
             <a:extLst>
               <a:ext uri="{FF2B5EF4-FFF2-40B4-BE49-F238E27FC236}">
-                <a16:creationId xmlns:a16="http://schemas.microsoft.com/office/drawing/2014/main" id="{8861A3BA-81B2-DD44-0DA0-E3E913814A89}"/>
+                <a16:creationId xmlns:a16="http://schemas.microsoft.com/office/drawing/2014/main" id="{09378B92-6089-389E-9CB5-497BE614B1A6}"/>
               </a:ext>
             </a:extLst>
           </p:cNvPr>
@@ -1169,7 +1169,7 @@
           <p:cNvPr id="6" name="灯片编号占位符 5">
             <a:extLst>
               <a:ext uri="{FF2B5EF4-FFF2-40B4-BE49-F238E27FC236}">
-                <a16:creationId xmlns:a16="http://schemas.microsoft.com/office/drawing/2014/main" id="{A9D47DA0-1A12-FD91-650A-3DB508E0B88C}"/>
+                <a16:creationId xmlns:a16="http://schemas.microsoft.com/office/drawing/2014/main" id="{2B6532E6-1BCC-B600-4F25-D647FA46F2C5}"/>
               </a:ext>
             </a:extLst>
           </p:cNvPr>
@@ -1185,7 +1185,7 @@
           <a:bodyPr/>
           <a:lstStyle/>
           <a:p>
-            <a:fld id="{E16C1BF2-CE29-480F-8C41-1D4D2C486CA0}" type="slidenum">
+            <a:fld id="{BB219FB6-7A6A-4FAA-9F64-4EA96173961A}" type="slidenum">
               <a:rPr lang="zh-CN" altLang="en-US" smtClean="0"/>
               <a:t>‹#›</a:t>
             </a:fld>
@@ -1196,7 +1196,7 @@
     </p:spTree>
     <p:extLst>
       <p:ext uri="{BB962C8B-B14F-4D97-AF65-F5344CB8AC3E}">
-        <p14:creationId xmlns:p14="http://schemas.microsoft.com/office/powerpoint/2010/main" val="812955502"/>
+        <p14:creationId xmlns:p14="http://schemas.microsoft.com/office/powerpoint/2010/main" val="129199889"/>
       </p:ext>
     </p:extLst>
   </p:cSld>
@@ -1228,7 +1228,7 @@
           <p:cNvPr id="2" name="标题 1">
             <a:extLst>
               <a:ext uri="{FF2B5EF4-FFF2-40B4-BE49-F238E27FC236}">
-                <a16:creationId xmlns:a16="http://schemas.microsoft.com/office/drawing/2014/main" id="{9664953C-3555-C7E4-74F9-94B67286942C}"/>
+                <a16:creationId xmlns:a16="http://schemas.microsoft.com/office/drawing/2014/main" id="{3E64EE9B-5F15-0C94-A4AE-B8479872A842}"/>
               </a:ext>
             </a:extLst>
           </p:cNvPr>
@@ -1256,7 +1256,7 @@
           <p:cNvPr id="3" name="内容占位符 2">
             <a:extLst>
               <a:ext uri="{FF2B5EF4-FFF2-40B4-BE49-F238E27FC236}">
-                <a16:creationId xmlns:a16="http://schemas.microsoft.com/office/drawing/2014/main" id="{D05B10B4-A10B-DF94-53F2-8CB20D21C20A}"/>
+                <a16:creationId xmlns:a16="http://schemas.microsoft.com/office/drawing/2014/main" id="{EF566FA4-2344-4302-4F8F-6562FA91F1B2}"/>
               </a:ext>
             </a:extLst>
           </p:cNvPr>
@@ -1318,7 +1318,7 @@
           <p:cNvPr id="4" name="内容占位符 3">
             <a:extLst>
               <a:ext uri="{FF2B5EF4-FFF2-40B4-BE49-F238E27FC236}">
-                <a16:creationId xmlns:a16="http://schemas.microsoft.com/office/drawing/2014/main" id="{04C3E8B6-9E4B-E25B-49F0-D72F8A3A5FCE}"/>
+                <a16:creationId xmlns:a16="http://schemas.microsoft.com/office/drawing/2014/main" id="{E83D88A3-70D5-191D-366B-EFE484FFBBC1}"/>
               </a:ext>
             </a:extLst>
           </p:cNvPr>
@@ -1380,7 +1380,7 @@
           <p:cNvPr id="5" name="日期占位符 4">
             <a:extLst>
               <a:ext uri="{FF2B5EF4-FFF2-40B4-BE49-F238E27FC236}">
-                <a16:creationId xmlns:a16="http://schemas.microsoft.com/office/drawing/2014/main" id="{82700C5A-0940-1B50-4D93-C3722FC2F092}"/>
+                <a16:creationId xmlns:a16="http://schemas.microsoft.com/office/drawing/2014/main" id="{C6A9613C-B52E-0EF8-5F1A-4328BFFBEA7D}"/>
               </a:ext>
             </a:extLst>
           </p:cNvPr>
@@ -1396,7 +1396,7 @@
           <a:bodyPr/>
           <a:lstStyle/>
           <a:p>
-            <a:fld id="{9B293E4D-E2C0-4135-830E-62F03A669CD1}" type="datetimeFigureOut">
+            <a:fld id="{AF6E06D6-F3DA-4464-94A3-1C8E2E996511}" type="datetimeFigureOut">
               <a:rPr lang="zh-CN" altLang="en-US" smtClean="0"/>
               <a:t>2024/3/10</a:t>
             </a:fld>
@@ -1409,7 +1409,7 @@
           <p:cNvPr id="6" name="页脚占位符 5">
             <a:extLst>
               <a:ext uri="{FF2B5EF4-FFF2-40B4-BE49-F238E27FC236}">
-                <a16:creationId xmlns:a16="http://schemas.microsoft.com/office/drawing/2014/main" id="{1BCA1993-4419-8AA2-6112-D49356F83764}"/>
+                <a16:creationId xmlns:a16="http://schemas.microsoft.com/office/drawing/2014/main" id="{9AFEF7A7-A247-7518-5806-547E8F54F591}"/>
               </a:ext>
             </a:extLst>
           </p:cNvPr>
@@ -1434,7 +1434,7 @@
           <p:cNvPr id="7" name="灯片编号占位符 6">
             <a:extLst>
               <a:ext uri="{FF2B5EF4-FFF2-40B4-BE49-F238E27FC236}">
-                <a16:creationId xmlns:a16="http://schemas.microsoft.com/office/drawing/2014/main" id="{916F68DD-B866-BC70-0723-3039B98E7919}"/>
+                <a16:creationId xmlns:a16="http://schemas.microsoft.com/office/drawing/2014/main" id="{0DA3C489-8F84-3A87-37FB-2BE3D0D00091}"/>
               </a:ext>
             </a:extLst>
           </p:cNvPr>
@@ -1450,7 +1450,7 @@
           <a:bodyPr/>
           <a:lstStyle/>
           <a:p>
-            <a:fld id="{E16C1BF2-CE29-480F-8C41-1D4D2C486CA0}" type="slidenum">
+            <a:fld id="{BB219FB6-7A6A-4FAA-9F64-4EA96173961A}" type="slidenum">
               <a:rPr lang="zh-CN" altLang="en-US" smtClean="0"/>
               <a:t>‹#›</a:t>
             </a:fld>
@@ -1461,7 +1461,7 @@
     </p:spTree>
     <p:extLst>
       <p:ext uri="{BB962C8B-B14F-4D97-AF65-F5344CB8AC3E}">
-        <p14:creationId xmlns:p14="http://schemas.microsoft.com/office/powerpoint/2010/main" val="3773894286"/>
+        <p14:creationId xmlns:p14="http://schemas.microsoft.com/office/powerpoint/2010/main" val="1469810108"/>
       </p:ext>
     </p:extLst>
   </p:cSld>
@@ -1493,7 +1493,7 @@
           <p:cNvPr id="2" name="标题 1">
             <a:extLst>
               <a:ext uri="{FF2B5EF4-FFF2-40B4-BE49-F238E27FC236}">
-                <a16:creationId xmlns:a16="http://schemas.microsoft.com/office/drawing/2014/main" id="{3FBAE998-52B6-A738-D16A-AADED01567D8}"/>
+                <a16:creationId xmlns:a16="http://schemas.microsoft.com/office/drawing/2014/main" id="{FAD97A56-7212-0786-193F-7843C1502EED}"/>
               </a:ext>
             </a:extLst>
           </p:cNvPr>
@@ -1526,7 +1526,7 @@
           <p:cNvPr id="3" name="文本占位符 2">
             <a:extLst>
               <a:ext uri="{FF2B5EF4-FFF2-40B4-BE49-F238E27FC236}">
-                <a16:creationId xmlns:a16="http://schemas.microsoft.com/office/drawing/2014/main" id="{38FD0295-54F7-0E49-E72F-847F969C7523}"/>
+                <a16:creationId xmlns:a16="http://schemas.microsoft.com/office/drawing/2014/main" id="{2359DFB6-0D5C-7B2D-6DD6-A7AB80E7F327}"/>
               </a:ext>
             </a:extLst>
           </p:cNvPr>
@@ -1597,7 +1597,7 @@
           <p:cNvPr id="4" name="内容占位符 3">
             <a:extLst>
               <a:ext uri="{FF2B5EF4-FFF2-40B4-BE49-F238E27FC236}">
-                <a16:creationId xmlns:a16="http://schemas.microsoft.com/office/drawing/2014/main" id="{AEAE1205-2A96-D494-E57C-67CAE49262DC}"/>
+                <a16:creationId xmlns:a16="http://schemas.microsoft.com/office/drawing/2014/main" id="{F84A1889-583B-F58A-1A71-5E46A02348CE}"/>
               </a:ext>
             </a:extLst>
           </p:cNvPr>
@@ -1659,7 +1659,7 @@
           <p:cNvPr id="5" name="文本占位符 4">
             <a:extLst>
               <a:ext uri="{FF2B5EF4-FFF2-40B4-BE49-F238E27FC236}">
-                <a16:creationId xmlns:a16="http://schemas.microsoft.com/office/drawing/2014/main" id="{05FE3D62-ADD9-4B9C-03B1-BAF1CE4756E3}"/>
+                <a16:creationId xmlns:a16="http://schemas.microsoft.com/office/drawing/2014/main" id="{12036568-A5DF-43F4-9614-83BCEBAFC632}"/>
               </a:ext>
             </a:extLst>
           </p:cNvPr>
@@ -1730,7 +1730,7 @@
           <p:cNvPr id="6" name="内容占位符 5">
             <a:extLst>
               <a:ext uri="{FF2B5EF4-FFF2-40B4-BE49-F238E27FC236}">
-                <a16:creationId xmlns:a16="http://schemas.microsoft.com/office/drawing/2014/main" id="{A7ED6B1E-E1C3-12FA-9137-93CDAC5344C4}"/>
+                <a16:creationId xmlns:a16="http://schemas.microsoft.com/office/drawing/2014/main" id="{DC906654-730A-5B1B-9C2A-F56F0249C8A6}"/>
               </a:ext>
             </a:extLst>
           </p:cNvPr>
@@ -1792,7 +1792,7 @@
           <p:cNvPr id="7" name="日期占位符 6">
             <a:extLst>
               <a:ext uri="{FF2B5EF4-FFF2-40B4-BE49-F238E27FC236}">
-                <a16:creationId xmlns:a16="http://schemas.microsoft.com/office/drawing/2014/main" id="{D6E531D4-24A8-F998-133C-092AD863A9C2}"/>
+                <a16:creationId xmlns:a16="http://schemas.microsoft.com/office/drawing/2014/main" id="{07574623-6D4A-9F76-C6B9-B1C6E9505EEB}"/>
               </a:ext>
             </a:extLst>
           </p:cNvPr>
@@ -1808,7 +1808,7 @@
           <a:bodyPr/>
           <a:lstStyle/>
           <a:p>
-            <a:fld id="{9B293E4D-E2C0-4135-830E-62F03A669CD1}" type="datetimeFigureOut">
+            <a:fld id="{AF6E06D6-F3DA-4464-94A3-1C8E2E996511}" type="datetimeFigureOut">
               <a:rPr lang="zh-CN" altLang="en-US" smtClean="0"/>
               <a:t>2024/3/10</a:t>
             </a:fld>
@@ -1821,7 +1821,7 @@
           <p:cNvPr id="8" name="页脚占位符 7">
             <a:extLst>
               <a:ext uri="{FF2B5EF4-FFF2-40B4-BE49-F238E27FC236}">
-                <a16:creationId xmlns:a16="http://schemas.microsoft.com/office/drawing/2014/main" id="{0C6D3D1D-1653-EF7F-7E23-765C6D3BEA33}"/>
+                <a16:creationId xmlns:a16="http://schemas.microsoft.com/office/drawing/2014/main" id="{8A460706-9D42-55EE-F3B2-302D5DA16A55}"/>
               </a:ext>
             </a:extLst>
           </p:cNvPr>
@@ -1846,7 +1846,7 @@
           <p:cNvPr id="9" name="灯片编号占位符 8">
             <a:extLst>
               <a:ext uri="{FF2B5EF4-FFF2-40B4-BE49-F238E27FC236}">
-                <a16:creationId xmlns:a16="http://schemas.microsoft.com/office/drawing/2014/main" id="{52843895-4677-A93D-E107-F5E69E30BE85}"/>
+                <a16:creationId xmlns:a16="http://schemas.microsoft.com/office/drawing/2014/main" id="{A7F6F47B-A8B3-B04F-177C-80D279B4FB9E}"/>
               </a:ext>
             </a:extLst>
           </p:cNvPr>
@@ -1862,7 +1862,7 @@
           <a:bodyPr/>
           <a:lstStyle/>
           <a:p>
-            <a:fld id="{E16C1BF2-CE29-480F-8C41-1D4D2C486CA0}" type="slidenum">
+            <a:fld id="{BB219FB6-7A6A-4FAA-9F64-4EA96173961A}" type="slidenum">
               <a:rPr lang="zh-CN" altLang="en-US" smtClean="0"/>
               <a:t>‹#›</a:t>
             </a:fld>
@@ -1873,7 +1873,7 @@
     </p:spTree>
     <p:extLst>
       <p:ext uri="{BB962C8B-B14F-4D97-AF65-F5344CB8AC3E}">
-        <p14:creationId xmlns:p14="http://schemas.microsoft.com/office/powerpoint/2010/main" val="1942506687"/>
+        <p14:creationId xmlns:p14="http://schemas.microsoft.com/office/powerpoint/2010/main" val="662418490"/>
       </p:ext>
     </p:extLst>
   </p:cSld>
@@ -1905,7 +1905,7 @@
           <p:cNvPr id="2" name="标题 1">
             <a:extLst>
               <a:ext uri="{FF2B5EF4-FFF2-40B4-BE49-F238E27FC236}">
-                <a16:creationId xmlns:a16="http://schemas.microsoft.com/office/drawing/2014/main" id="{D4C010A6-8265-A17B-079B-27A834363288}"/>
+                <a16:creationId xmlns:a16="http://schemas.microsoft.com/office/drawing/2014/main" id="{708708DF-9540-25FA-E61E-9C47865FB4BC}"/>
               </a:ext>
             </a:extLst>
           </p:cNvPr>
@@ -1933,7 +1933,7 @@
           <p:cNvPr id="3" name="日期占位符 2">
             <a:extLst>
               <a:ext uri="{FF2B5EF4-FFF2-40B4-BE49-F238E27FC236}">
-                <a16:creationId xmlns:a16="http://schemas.microsoft.com/office/drawing/2014/main" id="{4F8E3433-AA33-BF77-A826-1FFCC5869D4D}"/>
+                <a16:creationId xmlns:a16="http://schemas.microsoft.com/office/drawing/2014/main" id="{0CF6F292-ABA2-EB1B-28BB-2A178BF54624}"/>
               </a:ext>
             </a:extLst>
           </p:cNvPr>
@@ -1949,7 +1949,7 @@
           <a:bodyPr/>
           <a:lstStyle/>
           <a:p>
-            <a:fld id="{9B293E4D-E2C0-4135-830E-62F03A669CD1}" type="datetimeFigureOut">
+            <a:fld id="{AF6E06D6-F3DA-4464-94A3-1C8E2E996511}" type="datetimeFigureOut">
               <a:rPr lang="zh-CN" altLang="en-US" smtClean="0"/>
               <a:t>2024/3/10</a:t>
             </a:fld>
@@ -1962,7 +1962,7 @@
           <p:cNvPr id="4" name="页脚占位符 3">
             <a:extLst>
               <a:ext uri="{FF2B5EF4-FFF2-40B4-BE49-F238E27FC236}">
-                <a16:creationId xmlns:a16="http://schemas.microsoft.com/office/drawing/2014/main" id="{A2897038-3745-15C7-533A-EBC2AB60BEA1}"/>
+                <a16:creationId xmlns:a16="http://schemas.microsoft.com/office/drawing/2014/main" id="{2742C9EA-9F6B-C354-22D6-13CFA4AC2549}"/>
               </a:ext>
             </a:extLst>
           </p:cNvPr>
@@ -1987,7 +1987,7 @@
           <p:cNvPr id="5" name="灯片编号占位符 4">
             <a:extLst>
               <a:ext uri="{FF2B5EF4-FFF2-40B4-BE49-F238E27FC236}">
-                <a16:creationId xmlns:a16="http://schemas.microsoft.com/office/drawing/2014/main" id="{B4945E86-7E83-BFFB-0F23-9FAB1DC02379}"/>
+                <a16:creationId xmlns:a16="http://schemas.microsoft.com/office/drawing/2014/main" id="{742CBEDD-10F8-C9E4-6ED2-31CC585CF092}"/>
               </a:ext>
             </a:extLst>
           </p:cNvPr>
@@ -2003,7 +2003,7 @@
           <a:bodyPr/>
           <a:lstStyle/>
           <a:p>
-            <a:fld id="{E16C1BF2-CE29-480F-8C41-1D4D2C486CA0}" type="slidenum">
+            <a:fld id="{BB219FB6-7A6A-4FAA-9F64-4EA96173961A}" type="slidenum">
               <a:rPr lang="zh-CN" altLang="en-US" smtClean="0"/>
               <a:t>‹#›</a:t>
             </a:fld>
@@ -2014,7 +2014,7 @@
     </p:spTree>
     <p:extLst>
       <p:ext uri="{BB962C8B-B14F-4D97-AF65-F5344CB8AC3E}">
-        <p14:creationId xmlns:p14="http://schemas.microsoft.com/office/powerpoint/2010/main" val="3412726101"/>
+        <p14:creationId xmlns:p14="http://schemas.microsoft.com/office/powerpoint/2010/main" val="3653863176"/>
       </p:ext>
     </p:extLst>
   </p:cSld>
@@ -2046,7 +2046,7 @@
           <p:cNvPr id="2" name="日期占位符 1">
             <a:extLst>
               <a:ext uri="{FF2B5EF4-FFF2-40B4-BE49-F238E27FC236}">
-                <a16:creationId xmlns:a16="http://schemas.microsoft.com/office/drawing/2014/main" id="{2EF3DC77-4BD6-AACF-DA8B-5D72F8DDE39D}"/>
+                <a16:creationId xmlns:a16="http://schemas.microsoft.com/office/drawing/2014/main" id="{52B4AE08-5F09-B2DE-4457-B419F7C30E79}"/>
               </a:ext>
             </a:extLst>
           </p:cNvPr>
@@ -2062,7 +2062,7 @@
           <a:bodyPr/>
           <a:lstStyle/>
           <a:p>
-            <a:fld id="{9B293E4D-E2C0-4135-830E-62F03A669CD1}" type="datetimeFigureOut">
+            <a:fld id="{AF6E06D6-F3DA-4464-94A3-1C8E2E996511}" type="datetimeFigureOut">
               <a:rPr lang="zh-CN" altLang="en-US" smtClean="0"/>
               <a:t>2024/3/10</a:t>
             </a:fld>
@@ -2075,7 +2075,7 @@
           <p:cNvPr id="3" name="页脚占位符 2">
             <a:extLst>
               <a:ext uri="{FF2B5EF4-FFF2-40B4-BE49-F238E27FC236}">
-                <a16:creationId xmlns:a16="http://schemas.microsoft.com/office/drawing/2014/main" id="{89CBB5FE-B3A1-32F3-404B-D94BC025FAA8}"/>
+                <a16:creationId xmlns:a16="http://schemas.microsoft.com/office/drawing/2014/main" id="{9CC41AE5-BE17-792A-4EE8-94F0D192D7EF}"/>
               </a:ext>
             </a:extLst>
           </p:cNvPr>
@@ -2100,7 +2100,7 @@
           <p:cNvPr id="4" name="灯片编号占位符 3">
             <a:extLst>
               <a:ext uri="{FF2B5EF4-FFF2-40B4-BE49-F238E27FC236}">
-                <a16:creationId xmlns:a16="http://schemas.microsoft.com/office/drawing/2014/main" id="{0509B04C-C772-C214-234C-524AF4DF6B3F}"/>
+                <a16:creationId xmlns:a16="http://schemas.microsoft.com/office/drawing/2014/main" id="{212CBB0D-27CE-808D-FA0D-7F62ACD188B6}"/>
               </a:ext>
             </a:extLst>
           </p:cNvPr>
@@ -2116,7 +2116,7 @@
           <a:bodyPr/>
           <a:lstStyle/>
           <a:p>
-            <a:fld id="{E16C1BF2-CE29-480F-8C41-1D4D2C486CA0}" type="slidenum">
+            <a:fld id="{BB219FB6-7A6A-4FAA-9F64-4EA96173961A}" type="slidenum">
               <a:rPr lang="zh-CN" altLang="en-US" smtClean="0"/>
               <a:t>‹#›</a:t>
             </a:fld>
@@ -2127,7 +2127,7 @@
     </p:spTree>
     <p:extLst>
       <p:ext uri="{BB962C8B-B14F-4D97-AF65-F5344CB8AC3E}">
-        <p14:creationId xmlns:p14="http://schemas.microsoft.com/office/powerpoint/2010/main" val="1907535362"/>
+        <p14:creationId xmlns:p14="http://schemas.microsoft.com/office/powerpoint/2010/main" val="2826117672"/>
       </p:ext>
     </p:extLst>
   </p:cSld>
@@ -2159,7 +2159,7 @@
           <p:cNvPr id="2" name="标题 1">
             <a:extLst>
               <a:ext uri="{FF2B5EF4-FFF2-40B4-BE49-F238E27FC236}">
-                <a16:creationId xmlns:a16="http://schemas.microsoft.com/office/drawing/2014/main" id="{BE676B8A-2B04-EFF9-9048-8B74A161808A}"/>
+                <a16:creationId xmlns:a16="http://schemas.microsoft.com/office/drawing/2014/main" id="{975023FE-9135-2656-3633-1437FFE4A5C7}"/>
               </a:ext>
             </a:extLst>
           </p:cNvPr>
@@ -2196,7 +2196,7 @@
           <p:cNvPr id="3" name="内容占位符 2">
             <a:extLst>
               <a:ext uri="{FF2B5EF4-FFF2-40B4-BE49-F238E27FC236}">
-                <a16:creationId xmlns:a16="http://schemas.microsoft.com/office/drawing/2014/main" id="{B3384464-0043-D898-E171-6C41D33C6D4B}"/>
+                <a16:creationId xmlns:a16="http://schemas.microsoft.com/office/drawing/2014/main" id="{7999BCDE-06A4-9C31-B054-A8242741ED38}"/>
               </a:ext>
             </a:extLst>
           </p:cNvPr>
@@ -2286,7 +2286,7 @@
           <p:cNvPr id="4" name="文本占位符 3">
             <a:extLst>
               <a:ext uri="{FF2B5EF4-FFF2-40B4-BE49-F238E27FC236}">
-                <a16:creationId xmlns:a16="http://schemas.microsoft.com/office/drawing/2014/main" id="{35777FFE-420D-D655-B5ED-282EE15FFF6C}"/>
+                <a16:creationId xmlns:a16="http://schemas.microsoft.com/office/drawing/2014/main" id="{77B57A37-6463-8F1B-0124-8175FEBE4C91}"/>
               </a:ext>
             </a:extLst>
           </p:cNvPr>
@@ -2357,7 +2357,7 @@
           <p:cNvPr id="5" name="日期占位符 4">
             <a:extLst>
               <a:ext uri="{FF2B5EF4-FFF2-40B4-BE49-F238E27FC236}">
-                <a16:creationId xmlns:a16="http://schemas.microsoft.com/office/drawing/2014/main" id="{74DBC56C-7BF7-85D0-C003-76334A66B9A3}"/>
+                <a16:creationId xmlns:a16="http://schemas.microsoft.com/office/drawing/2014/main" id="{A4AC95E6-EF27-92C0-C253-7FEDA0DA8792}"/>
               </a:ext>
             </a:extLst>
           </p:cNvPr>
@@ -2373,7 +2373,7 @@
           <a:bodyPr/>
           <a:lstStyle/>
           <a:p>
-            <a:fld id="{9B293E4D-E2C0-4135-830E-62F03A669CD1}" type="datetimeFigureOut">
+            <a:fld id="{AF6E06D6-F3DA-4464-94A3-1C8E2E996511}" type="datetimeFigureOut">
               <a:rPr lang="zh-CN" altLang="en-US" smtClean="0"/>
               <a:t>2024/3/10</a:t>
             </a:fld>
@@ -2386,7 +2386,7 @@
           <p:cNvPr id="6" name="页脚占位符 5">
             <a:extLst>
               <a:ext uri="{FF2B5EF4-FFF2-40B4-BE49-F238E27FC236}">
-                <a16:creationId xmlns:a16="http://schemas.microsoft.com/office/drawing/2014/main" id="{A5AD0201-126D-177F-0DA1-688C1B014BEF}"/>
+                <a16:creationId xmlns:a16="http://schemas.microsoft.com/office/drawing/2014/main" id="{AA6F7DB3-C082-83E8-342F-C8D9C1C0DB4D}"/>
               </a:ext>
             </a:extLst>
           </p:cNvPr>
@@ -2411,7 +2411,7 @@
           <p:cNvPr id="7" name="灯片编号占位符 6">
             <a:extLst>
               <a:ext uri="{FF2B5EF4-FFF2-40B4-BE49-F238E27FC236}">
-                <a16:creationId xmlns:a16="http://schemas.microsoft.com/office/drawing/2014/main" id="{F8DF7A36-82FA-316F-C624-1770687277FD}"/>
+                <a16:creationId xmlns:a16="http://schemas.microsoft.com/office/drawing/2014/main" id="{B9587DC6-B9AD-C309-403C-E993D1178110}"/>
               </a:ext>
             </a:extLst>
           </p:cNvPr>
@@ -2427,7 +2427,7 @@
           <a:bodyPr/>
           <a:lstStyle/>
           <a:p>
-            <a:fld id="{E16C1BF2-CE29-480F-8C41-1D4D2C486CA0}" type="slidenum">
+            <a:fld id="{BB219FB6-7A6A-4FAA-9F64-4EA96173961A}" type="slidenum">
               <a:rPr lang="zh-CN" altLang="en-US" smtClean="0"/>
               <a:t>‹#›</a:t>
             </a:fld>
@@ -2438,7 +2438,7 @@
     </p:spTree>
     <p:extLst>
       <p:ext uri="{BB962C8B-B14F-4D97-AF65-F5344CB8AC3E}">
-        <p14:creationId xmlns:p14="http://schemas.microsoft.com/office/powerpoint/2010/main" val="2503019395"/>
+        <p14:creationId xmlns:p14="http://schemas.microsoft.com/office/powerpoint/2010/main" val="491796238"/>
       </p:ext>
     </p:extLst>
   </p:cSld>
@@ -2470,7 +2470,7 @@
           <p:cNvPr id="2" name="标题 1">
             <a:extLst>
               <a:ext uri="{FF2B5EF4-FFF2-40B4-BE49-F238E27FC236}">
-                <a16:creationId xmlns:a16="http://schemas.microsoft.com/office/drawing/2014/main" id="{5BF9690D-D18A-E2F4-2E2C-9A1EA4563151}"/>
+                <a16:creationId xmlns:a16="http://schemas.microsoft.com/office/drawing/2014/main" id="{A1939D6B-6ABD-5312-F2F0-904932004DBE}"/>
               </a:ext>
             </a:extLst>
           </p:cNvPr>
@@ -2507,7 +2507,7 @@
           <p:cNvPr id="3" name="图片占位符 2">
             <a:extLst>
               <a:ext uri="{FF2B5EF4-FFF2-40B4-BE49-F238E27FC236}">
-                <a16:creationId xmlns:a16="http://schemas.microsoft.com/office/drawing/2014/main" id="{9EAD1796-320F-955D-B5CD-8A781187E2FA}"/>
+                <a16:creationId xmlns:a16="http://schemas.microsoft.com/office/drawing/2014/main" id="{AD4F07A2-0A38-DFAC-B134-52638CFEAF7B}"/>
               </a:ext>
             </a:extLst>
           </p:cNvPr>
@@ -2574,7 +2574,7 @@
           <p:cNvPr id="4" name="文本占位符 3">
             <a:extLst>
               <a:ext uri="{FF2B5EF4-FFF2-40B4-BE49-F238E27FC236}">
-                <a16:creationId xmlns:a16="http://schemas.microsoft.com/office/drawing/2014/main" id="{9A4E5EA9-6EC2-A3E6-47F5-6DAE6AA03E95}"/>
+                <a16:creationId xmlns:a16="http://schemas.microsoft.com/office/drawing/2014/main" id="{334768F2-B666-FE30-7C6B-4CE4CE91F36D}"/>
               </a:ext>
             </a:extLst>
           </p:cNvPr>
@@ -2645,7 +2645,7 @@
           <p:cNvPr id="5" name="日期占位符 4">
             <a:extLst>
               <a:ext uri="{FF2B5EF4-FFF2-40B4-BE49-F238E27FC236}">
-                <a16:creationId xmlns:a16="http://schemas.microsoft.com/office/drawing/2014/main" id="{531E730D-E400-3C63-2D76-07E6717097DD}"/>
+                <a16:creationId xmlns:a16="http://schemas.microsoft.com/office/drawing/2014/main" id="{7BD53DF0-72DA-A5BE-F89A-852CD17973D7}"/>
               </a:ext>
             </a:extLst>
           </p:cNvPr>
@@ -2661,7 +2661,7 @@
           <a:bodyPr/>
           <a:lstStyle/>
           <a:p>
-            <a:fld id="{9B293E4D-E2C0-4135-830E-62F03A669CD1}" type="datetimeFigureOut">
+            <a:fld id="{AF6E06D6-F3DA-4464-94A3-1C8E2E996511}" type="datetimeFigureOut">
               <a:rPr lang="zh-CN" altLang="en-US" smtClean="0"/>
               <a:t>2024/3/10</a:t>
             </a:fld>
@@ -2674,7 +2674,7 @@
           <p:cNvPr id="6" name="页脚占位符 5">
             <a:extLst>
               <a:ext uri="{FF2B5EF4-FFF2-40B4-BE49-F238E27FC236}">
-                <a16:creationId xmlns:a16="http://schemas.microsoft.com/office/drawing/2014/main" id="{E5A73695-3CF4-578F-D760-67E36C5C585B}"/>
+                <a16:creationId xmlns:a16="http://schemas.microsoft.com/office/drawing/2014/main" id="{F3E3A516-0D5E-C0CD-7201-0BC86804ADC6}"/>
               </a:ext>
             </a:extLst>
           </p:cNvPr>
@@ -2699,7 +2699,7 @@
           <p:cNvPr id="7" name="灯片编号占位符 6">
             <a:extLst>
               <a:ext uri="{FF2B5EF4-FFF2-40B4-BE49-F238E27FC236}">
-                <a16:creationId xmlns:a16="http://schemas.microsoft.com/office/drawing/2014/main" id="{736CB0AF-8742-6985-E4E6-69716B80CFE2}"/>
+                <a16:creationId xmlns:a16="http://schemas.microsoft.com/office/drawing/2014/main" id="{6BA057D5-01B8-8A09-A436-C8547B5B460D}"/>
               </a:ext>
             </a:extLst>
           </p:cNvPr>
@@ -2715,7 +2715,7 @@
           <a:bodyPr/>
           <a:lstStyle/>
           <a:p>
-            <a:fld id="{E16C1BF2-CE29-480F-8C41-1D4D2C486CA0}" type="slidenum">
+            <a:fld id="{BB219FB6-7A6A-4FAA-9F64-4EA96173961A}" type="slidenum">
               <a:rPr lang="zh-CN" altLang="en-US" smtClean="0"/>
               <a:t>‹#›</a:t>
             </a:fld>
@@ -2726,7 +2726,7 @@
     </p:spTree>
     <p:extLst>
       <p:ext uri="{BB962C8B-B14F-4D97-AF65-F5344CB8AC3E}">
-        <p14:creationId xmlns:p14="http://schemas.microsoft.com/office/powerpoint/2010/main" val="1112067600"/>
+        <p14:creationId xmlns:p14="http://schemas.microsoft.com/office/powerpoint/2010/main" val="1348344530"/>
       </p:ext>
     </p:extLst>
   </p:cSld>
@@ -2763,7 +2763,7 @@
           <p:cNvPr id="2" name="标题占位符 1">
             <a:extLst>
               <a:ext uri="{FF2B5EF4-FFF2-40B4-BE49-F238E27FC236}">
-                <a16:creationId xmlns:a16="http://schemas.microsoft.com/office/drawing/2014/main" id="{CCB56F1D-234D-EC90-BDD1-5AC4B87A5848}"/>
+                <a16:creationId xmlns:a16="http://schemas.microsoft.com/office/drawing/2014/main" id="{E2421396-3CF2-4D1E-A6E0-418832EBC7A6}"/>
               </a:ext>
             </a:extLst>
           </p:cNvPr>
@@ -2801,7 +2801,7 @@
           <p:cNvPr id="3" name="文本占位符 2">
             <a:extLst>
               <a:ext uri="{FF2B5EF4-FFF2-40B4-BE49-F238E27FC236}">
-                <a16:creationId xmlns:a16="http://schemas.microsoft.com/office/drawing/2014/main" id="{A7392CAD-74D1-2D6A-52C3-6458DAE0A7F5}"/>
+                <a16:creationId xmlns:a16="http://schemas.microsoft.com/office/drawing/2014/main" id="{9CE63FF6-E6ED-2E2D-20B8-CB17D1C4E858}"/>
               </a:ext>
             </a:extLst>
           </p:cNvPr>
@@ -2868,7 +2868,7 @@
           <p:cNvPr id="4" name="日期占位符 3">
             <a:extLst>
               <a:ext uri="{FF2B5EF4-FFF2-40B4-BE49-F238E27FC236}">
-                <a16:creationId xmlns:a16="http://schemas.microsoft.com/office/drawing/2014/main" id="{91DBD71C-A9A1-5E9C-5A11-B8A8BD40BDC2}"/>
+                <a16:creationId xmlns:a16="http://schemas.microsoft.com/office/drawing/2014/main" id="{7DE48006-2BDC-B27D-68B6-67D8E1C2538A}"/>
               </a:ext>
             </a:extLst>
           </p:cNvPr>
@@ -2902,7 +2902,7 @@
             </a:lvl1pPr>
           </a:lstStyle>
           <a:p>
-            <a:fld id="{9B293E4D-E2C0-4135-830E-62F03A669CD1}" type="datetimeFigureOut">
+            <a:fld id="{AF6E06D6-F3DA-4464-94A3-1C8E2E996511}" type="datetimeFigureOut">
               <a:rPr lang="zh-CN" altLang="en-US" smtClean="0"/>
               <a:t>2024/3/10</a:t>
             </a:fld>
@@ -2915,7 +2915,7 @@
           <p:cNvPr id="5" name="页脚占位符 4">
             <a:extLst>
               <a:ext uri="{FF2B5EF4-FFF2-40B4-BE49-F238E27FC236}">
-                <a16:creationId xmlns:a16="http://schemas.microsoft.com/office/drawing/2014/main" id="{3576BC9A-4CB4-0553-A1A5-AF49B8632BE6}"/>
+                <a16:creationId xmlns:a16="http://schemas.microsoft.com/office/drawing/2014/main" id="{57D15D13-5487-6920-AD46-D0ECF821BCA2}"/>
               </a:ext>
             </a:extLst>
           </p:cNvPr>
@@ -2958,7 +2958,7 @@
           <p:cNvPr id="6" name="灯片编号占位符 5">
             <a:extLst>
               <a:ext uri="{FF2B5EF4-FFF2-40B4-BE49-F238E27FC236}">
-                <a16:creationId xmlns:a16="http://schemas.microsoft.com/office/drawing/2014/main" id="{28890602-AC33-1FD6-AD71-C43B713C15D3}"/>
+                <a16:creationId xmlns:a16="http://schemas.microsoft.com/office/drawing/2014/main" id="{CF9B5B51-3F4F-660A-96EF-696E8E339114}"/>
               </a:ext>
             </a:extLst>
           </p:cNvPr>
@@ -2992,7 +2992,7 @@
             </a:lvl1pPr>
           </a:lstStyle>
           <a:p>
-            <a:fld id="{E16C1BF2-CE29-480F-8C41-1D4D2C486CA0}" type="slidenum">
+            <a:fld id="{BB219FB6-7A6A-4FAA-9F64-4EA96173961A}" type="slidenum">
               <a:rPr lang="zh-CN" altLang="en-US" smtClean="0"/>
               <a:t>‹#›</a:t>
             </a:fld>
@@ -3003,7 +3003,7 @@
     </p:spTree>
     <p:extLst>
       <p:ext uri="{BB962C8B-B14F-4D97-AF65-F5344CB8AC3E}">
-        <p14:creationId xmlns:p14="http://schemas.microsoft.com/office/powerpoint/2010/main" val="1772906496"/>
+        <p14:creationId xmlns:p14="http://schemas.microsoft.com/office/powerpoint/2010/main" val="3802625941"/>
       </p:ext>
     </p:extLst>
   </p:cSld>
@@ -3323,7 +3323,7 @@
       </p:grpSpPr>
       <p:pic>
         <p:nvPicPr>
-          <p:cNvPr id="832514" name="Picture 2" descr="812"/>
+          <p:cNvPr id="833538" name="Picture 2" descr="813"/>
           <p:cNvPicPr>
             <a:picLocks noChangeAspect="1" noChangeArrowheads="1"/>
           </p:cNvPicPr>
@@ -3344,8 +3344,8 @@
         </p:blipFill>
         <p:spPr bwMode="auto">
           <a:xfrm>
-            <a:off x="1524001" y="1"/>
-            <a:ext cx="8964613" cy="6723063"/>
+            <a:off x="1524000" y="0"/>
+            <a:ext cx="9144000" cy="6858000"/>
           </a:xfrm>
           <a:prstGeom prst="rect">
             <a:avLst/>
@@ -3375,11 +3375,158 @@
           </a:extLst>
         </p:spPr>
       </p:pic>
+      <p:pic>
+        <p:nvPicPr>
+          <p:cNvPr id="834563" name="Picture 3" descr="813-2"/>
+          <p:cNvPicPr>
+            <a:picLocks noChangeAspect="1" noChangeArrowheads="1"/>
+          </p:cNvPicPr>
+          <p:nvPr/>
+        </p:nvPicPr>
+        <p:blipFill>
+          <a:blip r:embed="rId3">
+            <a:extLst>
+              <a:ext uri="{28A0092B-C50C-407E-A947-70E740481C1C}">
+                <a14:useLocalDpi xmlns:a14="http://schemas.microsoft.com/office/drawing/2010/main" val="0"/>
+              </a:ext>
+            </a:extLst>
+          </a:blip>
+          <a:srcRect/>
+          <a:stretch>
+            <a:fillRect/>
+          </a:stretch>
+        </p:blipFill>
+        <p:spPr bwMode="auto">
+          <a:xfrm>
+            <a:off x="1524000" y="0"/>
+            <a:ext cx="9144000" cy="6858000"/>
+          </a:xfrm>
+          <a:prstGeom prst="rect">
+            <a:avLst/>
+          </a:prstGeom>
+          <a:noFill/>
+          <a:ln>
+            <a:noFill/>
+          </a:ln>
+          <a:effectLst/>
+          <a:extLst>
+            <a:ext uri="{909E8E84-426E-40DD-AFC4-6F175D3DCCD1}">
+              <a14:hiddenFill xmlns:a14="http://schemas.microsoft.com/office/drawing/2010/main">
+                <a:solidFill>
+                  <a:srgbClr val="FFFFFF"/>
+                </a:solidFill>
+              </a14:hiddenFill>
+            </a:ext>
+            <a:ext uri="{91240B29-F687-4F45-9708-019B960494DF}">
+              <a14:hiddenLine xmlns:a14="http://schemas.microsoft.com/office/drawing/2010/main" w="9525">
+                <a:solidFill>
+                  <a:srgbClr val="000000"/>
+                </a:solidFill>
+                <a:miter lim="800000"/>
+                <a:headEnd/>
+                <a:tailEnd/>
+              </a14:hiddenLine>
+            </a:ext>
+            <a:ext uri="{AF507438-7753-43E0-B8FC-AC1667EBCBE1}">
+              <a14:hiddenEffects xmlns:a14="http://schemas.microsoft.com/office/drawing/2010/main">
+                <a:effectLst>
+                  <a:outerShdw dist="35921" dir="2700000" algn="ctr" rotWithShape="0">
+                    <a:srgbClr val="808080"/>
+                  </a:outerShdw>
+                </a:effectLst>
+              </a14:hiddenEffects>
+            </a:ext>
+          </a:extLst>
+        </p:spPr>
+      </p:pic>
     </p:spTree>
   </p:cSld>
   <p:clrMapOvr>
     <a:masterClrMapping/>
   </p:clrMapOvr>
+  <p:timing>
+    <p:tnLst>
+      <p:par>
+        <p:cTn id="1" dur="indefinite" restart="never" nodeType="tmRoot">
+          <p:childTnLst>
+            <p:seq concurrent="1" nextAc="seek">
+              <p:cTn id="2" dur="indefinite" nodeType="mainSeq">
+                <p:childTnLst>
+                  <p:par>
+                    <p:cTn id="3" fill="hold" nodeType="clickPar">
+                      <p:stCondLst>
+                        <p:cond delay="indefinite"/>
+                      </p:stCondLst>
+                      <p:childTnLst>
+                        <p:par>
+                          <p:cTn id="4" fill="hold" nodeType="withGroup">
+                            <p:stCondLst>
+                              <p:cond delay="0"/>
+                            </p:stCondLst>
+                            <p:childTnLst>
+                              <p:par>
+                                <p:cTn id="5" presetID="10" presetClass="entr" presetSubtype="0" fill="hold" nodeType="clickEffect">
+                                  <p:stCondLst>
+                                    <p:cond delay="0"/>
+                                  </p:stCondLst>
+                                  <p:childTnLst>
+                                    <p:set>
+                                      <p:cBhvr>
+                                        <p:cTn id="6" dur="1" fill="hold">
+                                          <p:stCondLst>
+                                            <p:cond delay="0"/>
+                                          </p:stCondLst>
+                                        </p:cTn>
+                                        <p:tgtEl>
+                                          <p:spTgt spid="834563"/>
+                                        </p:tgtEl>
+                                        <p:attrNameLst>
+                                          <p:attrName>style.visibility</p:attrName>
+                                        </p:attrNameLst>
+                                      </p:cBhvr>
+                                      <p:to>
+                                        <p:strVal val="visible"/>
+                                      </p:to>
+                                    </p:set>
+                                    <p:animEffect transition="in" filter="fade">
+                                      <p:cBhvr>
+                                        <p:cTn id="7" dur="500"/>
+                                        <p:tgtEl>
+                                          <p:spTgt spid="834563"/>
+                                        </p:tgtEl>
+                                      </p:cBhvr>
+                                    </p:animEffect>
+                                  </p:childTnLst>
+                                </p:cTn>
+                              </p:par>
+                            </p:childTnLst>
+                          </p:cTn>
+                        </p:par>
+                      </p:childTnLst>
+                    </p:cTn>
+                  </p:par>
+                </p:childTnLst>
+              </p:cTn>
+              <p:prevCondLst>
+                <p:cond evt="onPrev" delay="0">
+                  <p:tgtEl>
+                    <p:sldTgt/>
+                  </p:tgtEl>
+                </p:cond>
+              </p:prevCondLst>
+              <p:nextCondLst>
+                <p:cond evt="onNext" delay="0">
+                  <p:tgtEl>
+                    <p:sldTgt/>
+                  </p:tgtEl>
+                </p:cond>
+              </p:nextCondLst>
+            </p:seq>
+          </p:childTnLst>
+        </p:cTn>
+      </p:par>
+    </p:tnLst>
+  </p:timing>
 </p:sld>
 </file>
 
